--- a/training-cards/agile moves/Training Cards (TRC)/ger/apprentice/ger_TRC_04_Trainingskarten_schreiben_AM_A.pptx
+++ b/training-cards/agile moves/Training Cards (TRC)/ger/apprentice/ger_TRC_04_Trainingskarten_schreiben_AM_A.pptx
@@ -4237,21 +4237,7 @@
                 <a:latin typeface="Avenir Light"/>
                 <a:cs typeface="Avenir Light"/>
               </a:rPr>
-              <a:t>). Es ist elementar, dass jeder der </a:t>
-            </a:r>
-            <a:r>
-              <a:rPr lang="de-DE" sz="1100" dirty="0">
-                <a:latin typeface="Avenir Light"/>
-                <a:cs typeface="Avenir Light"/>
-              </a:rPr>
-              <a:t>Trainingsschritt </a:t>
-            </a:r>
-            <a:r>
-              <a:rPr lang="de-DE" sz="1100" dirty="0" smtClean="0">
-                <a:latin typeface="Avenir Light"/>
-                <a:cs typeface="Avenir Light"/>
-              </a:rPr>
-              <a:t>klein </a:t>
+              <a:t>). Es ist elementar, dass jeder der Trainingsschritte klein </a:t>
             </a:r>
             <a:r>
               <a:rPr lang="de-DE" sz="1100" dirty="0">
@@ -4292,29 +4278,33 @@
                 <a:latin typeface="Avenir Light"/>
                 <a:cs typeface="Avenir Light"/>
               </a:rPr>
-              <a:t>erlauben, </a:t>
+              <a:t>erlaubt, </a:t>
             </a:r>
             <a:r>
               <a:rPr lang="de-DE" sz="1100" dirty="0">
                 <a:latin typeface="Avenir Light"/>
                 <a:cs typeface="Avenir Light"/>
               </a:rPr>
-              <a:t>aber den Move auch leicht </a:t>
+              <a:t>aber den Move </a:t>
             </a:r>
             <a:r>
               <a:rPr lang="de-DE" sz="1100" dirty="0" smtClean="0">
                 <a:latin typeface="Avenir Light"/>
                 <a:cs typeface="Avenir Light"/>
               </a:rPr>
-              <a:t>zu bewältigen machen</a:t>
-            </a:r>
-            <a:r>
-              <a:rPr lang="de-DE" sz="1100" dirty="0">
-                <a:latin typeface="Avenir Light"/>
-                <a:cs typeface="Avenir Light"/>
-              </a:rPr>
-              <a:t>.</a:t>
-            </a:r>
+              <a:t>dennoch leicht </a:t>
+            </a:r>
+            <a:r>
+              <a:rPr lang="de-DE" sz="1100" smtClean="0">
+                <a:latin typeface="Avenir Light"/>
+                <a:cs typeface="Avenir Light"/>
+              </a:rPr>
+              <a:t>bewältigen lässt.</a:t>
+            </a:r>
+            <a:endParaRPr lang="de-DE" sz="1100" dirty="0">
+              <a:latin typeface="Avenir Light"/>
+              <a:cs typeface="Avenir Light"/>
+            </a:endParaRPr>
           </a:p>
           <a:p>
             <a:pPr>
@@ -4413,21 +4403,7 @@
                 <a:latin typeface="Avenir Light"/>
                 <a:cs typeface="Avenir Light"/>
               </a:rPr>
-              <a:t>“, </a:t>
-            </a:r>
-            <a:r>
-              <a:rPr lang="de-DE" sz="1100" smtClean="0">
-                <a:latin typeface="Avenir Light"/>
-                <a:cs typeface="Avenir Light"/>
-              </a:rPr>
-              <a:t>Doktorhut = 3</a:t>
-            </a:r>
-            <a:r>
-              <a:rPr lang="de-DE" sz="1100" dirty="0" smtClean="0">
-                <a:latin typeface="Avenir Light"/>
-                <a:cs typeface="Avenir Light"/>
-              </a:rPr>
-              <a:t>.  Level „Master“</a:t>
+              <a:t>“, Doktorhut = 3.  Level „Master“</a:t>
             </a:r>
             <a:r>
               <a:rPr lang="de-DE" sz="1100" dirty="0">

--- a/training-cards/agile moves/Training Cards (TRC)/ger/apprentice/ger_TRC_04_Trainingskarten_schreiben_AM_A.pptx
+++ b/training-cards/agile moves/Training Cards (TRC)/ger/apprentice/ger_TRC_04_Trainingskarten_schreiben_AM_A.pptx
@@ -3868,7 +3868,7 @@
                 <a:latin typeface="Avenir Light"/>
                 <a:cs typeface="Avenir Light"/>
               </a:rPr>
-              <a:t>Alltags durchgeführt </a:t>
+              <a:t>Alltags, durchgeführt </a:t>
             </a:r>
             <a:r>
               <a:rPr lang="de-DE" sz="1100" dirty="0">
@@ -4292,14 +4292,7 @@
                 <a:latin typeface="Avenir Light"/>
                 <a:cs typeface="Avenir Light"/>
               </a:rPr>
-              <a:t>dennoch leicht </a:t>
-            </a:r>
-            <a:r>
-              <a:rPr lang="de-DE" sz="1100" smtClean="0">
-                <a:latin typeface="Avenir Light"/>
-                <a:cs typeface="Avenir Light"/>
-              </a:rPr>
-              <a:t>bewältigen lässt.</a:t>
+              <a:t>dennoch leicht bewältigen lässt.</a:t>
             </a:r>
             <a:endParaRPr lang="de-DE" sz="1100" dirty="0">
               <a:latin typeface="Avenir Light"/>

--- a/training-cards/agile moves/Training Cards (TRC)/ger/apprentice/ger_TRC_04_Trainingskarten_schreiben_AM_A.pptx
+++ b/training-cards/agile moves/Training Cards (TRC)/ger/apprentice/ger_TRC_04_Trainingskarten_schreiben_AM_A.pptx
@@ -3786,7 +3786,12 @@
             <p:ph type="body" sz="quarter" idx="15"/>
           </p:nvPr>
         </p:nvSpPr>
-        <p:spPr/>
+        <p:spPr>
+          <a:xfrm>
+            <a:off x="858838" y="1559272"/>
+            <a:ext cx="6265862" cy="3502025"/>
+          </a:xfrm>
+        </p:spPr>
         <p:txBody>
           <a:bodyPr>
             <a:normAutofit fontScale="85000" lnSpcReduction="10000"/>

--- a/training-cards/agile moves/Training Cards (TRC)/ger/apprentice/ger_TRC_04_Trainingskarten_schreiben_AM_A.pptx
+++ b/training-cards/agile moves/Training Cards (TRC)/ger/apprentice/ger_TRC_04_Trainingskarten_schreiben_AM_A.pptx
@@ -1092,7 +1092,7 @@
                 <a:latin typeface="Avenir Light"/>
                 <a:cs typeface="Avenir Light"/>
               </a:rPr>
-              <a:t>09.11.15</a:t>
+              <a:t>25.11.15</a:t>
             </a:fld>
             <a:endParaRPr lang="de-DE" sz="600" dirty="0">
               <a:solidFill>
@@ -1157,26 +1157,7 @@
                 <a:cs typeface="Avenir Light"/>
                 <a:sym typeface="Calibri"/>
               </a:rPr>
-              <a:t>To view a copy of this license, visit </a:t>
-            </a:r>
-            <a:r>
-              <a:rPr sz="600" dirty="0">
-                <a:latin typeface="Avenir Light"/>
-                <a:ea typeface="Calibri"/>
-                <a:cs typeface="Avenir Light"/>
-                <a:sym typeface="Calibri"/>
-                <a:hlinkClick r:id="rId4"/>
-              </a:rPr>
-              <a:t>http://creativecommons.org/licenses/by-nc-nd/4.0/</a:t>
-            </a:r>
-            <a:r>
-              <a:rPr sz="600" dirty="0">
-                <a:latin typeface="Avenir Light"/>
-                <a:ea typeface="Calibri"/>
-                <a:cs typeface="Avenir Light"/>
-                <a:sym typeface="Calibri"/>
-              </a:rPr>
-              <a:t>.</a:t>
+              <a:t>To view a copy of this license, visit http://creativecommons.org/licenses/by-nc-nd/4.0/.</a:t>
             </a:r>
           </a:p>
         </p:txBody>
@@ -1188,7 +1169,7 @@
           <p:nvPr userDrawn="1"/>
         </p:nvPicPr>
         <p:blipFill>
-          <a:blip r:embed="rId5">
+          <a:blip r:embed="rId4">
             <a:extLst/>
           </a:blip>
           <a:stretch>
@@ -1756,7 +1737,7 @@
                 <a:latin typeface="Avenir Light"/>
                 <a:cs typeface="Avenir Light"/>
               </a:rPr>
-              <a:t>09.11.15</a:t>
+              <a:t>25.11.15</a:t>
             </a:fld>
             <a:endParaRPr lang="de-DE" sz="600" dirty="0">
               <a:solidFill>
@@ -2473,7 +2454,7 @@
                 <a:latin typeface="Avenir Light"/>
                 <a:cs typeface="Avenir Light"/>
               </a:rPr>
-              <a:t>09.11.15</a:t>
+              <a:t>25.11.15</a:t>
             </a:fld>
             <a:endParaRPr lang="de-DE" sz="600" dirty="0">
               <a:solidFill>
@@ -3045,7 +3026,7 @@
         </p:nvSpPr>
         <p:spPr>
           <a:xfrm>
-            <a:off x="1166812" y="674138"/>
+            <a:off x="1166812" y="863450"/>
             <a:ext cx="5533296" cy="461667"/>
           </a:xfrm>
           <a:prstGeom prst="rect">
@@ -3094,7 +3075,7 @@
         </p:nvSpPr>
         <p:spPr>
           <a:xfrm>
-            <a:off x="1166812" y="973845"/>
+            <a:off x="1166812" y="1163157"/>
             <a:ext cx="5293998" cy="462332"/>
           </a:xfrm>
           <a:prstGeom prst="rect">
@@ -3788,7 +3769,7 @@
         </p:nvSpPr>
         <p:spPr>
           <a:xfrm>
-            <a:off x="858838" y="1559272"/>
+            <a:off x="858838" y="1646040"/>
             <a:ext cx="6265862" cy="3502025"/>
           </a:xfrm>
         </p:spPr>
@@ -3803,7 +3784,7 @@
                 <a:spcPts val="1200"/>
               </a:lnSpc>
               <a:spcBef>
-                <a:spcPts val="400"/>
+                <a:spcPts val="450"/>
               </a:spcBef>
             </a:pPr>
             <a:r>
@@ -3848,18 +3829,19 @@
               </a:rPr>
               <a:t>job, </a:t>
             </a:r>
-            <a:br>
+            <a:r>
               <a:rPr lang="de-DE" sz="1100" dirty="0" smtClean="0">
                 <a:latin typeface="Avenir Light"/>
                 <a:cs typeface="Avenir Light"/>
               </a:rPr>
-            </a:br>
+              <a:t>also </a:t>
+            </a:r>
             <a:r>
               <a:rPr lang="de-DE" sz="1100" dirty="0" smtClean="0">
                 <a:latin typeface="Avenir Light"/>
                 <a:cs typeface="Avenir Light"/>
               </a:rPr>
-              <a:t>also während Deines </a:t>
+              <a:t>während Deines </a:t>
             </a:r>
             <a:r>
               <a:rPr lang="de-DE" sz="1100" dirty="0">
@@ -3900,7 +3882,7 @@
                 <a:spcPts val="1200"/>
               </a:lnSpc>
               <a:spcBef>
-                <a:spcPts val="400"/>
+                <a:spcPts val="450"/>
               </a:spcBef>
             </a:pPr>
             <a:r>
@@ -3931,18 +3913,19 @@
               </a:rPr>
               <a:t>zuerst eine Trainingsidee. </a:t>
             </a:r>
-            <a:br>
+            <a:r>
               <a:rPr lang="de-DE" sz="1100" dirty="0" smtClean="0">
                 <a:latin typeface="Avenir Light"/>
                 <a:cs typeface="Avenir Light"/>
               </a:rPr>
-            </a:br>
+              <a:t>Was </a:t>
+            </a:r>
             <a:r>
               <a:rPr lang="de-DE" sz="1100" dirty="0" smtClean="0">
                 <a:latin typeface="Avenir Light"/>
                 <a:cs typeface="Avenir Light"/>
               </a:rPr>
-              <a:t>Was wäre ein Ziel, das Du erreichen möchtest und auf das zu trainieren Dir </a:t>
+              <a:t>wäre ein Ziel, das Du erreichen möchtest und auf das zu trainieren Dir </a:t>
             </a:r>
             <a:r>
               <a:rPr lang="de-DE" sz="1100" dirty="0">
@@ -3965,7 +3948,7 @@
                 <a:spcPts val="1200"/>
               </a:lnSpc>
               <a:spcBef>
-                <a:spcPts val="400"/>
+                <a:spcPts val="450"/>
               </a:spcBef>
             </a:pPr>
             <a:r>
@@ -3989,7 +3972,7 @@
                 <a:spcPts val="1200"/>
               </a:lnSpc>
               <a:spcBef>
-                <a:spcPts val="400"/>
+                <a:spcPts val="450"/>
               </a:spcBef>
             </a:pPr>
             <a:r>
@@ -4045,7 +4028,7 @@
                 <a:spcPts val="1200"/>
               </a:lnSpc>
               <a:spcBef>
-                <a:spcPts val="400"/>
+                <a:spcPts val="450"/>
               </a:spcBef>
             </a:pPr>
             <a:r>
@@ -4060,7 +4043,14 @@
                 <a:latin typeface="Avenir Light"/>
                 <a:cs typeface="Avenir Light"/>
               </a:rPr>
-              <a:t>Punktliste unter </a:t>
+              <a:t>Punkteliste </a:t>
+            </a:r>
+            <a:r>
+              <a:rPr lang="de-DE" sz="1100" dirty="0" smtClean="0">
+                <a:latin typeface="Avenir Light"/>
+                <a:cs typeface="Avenir Light"/>
+              </a:rPr>
+              <a:t>unter </a:t>
             </a:r>
             <a:r>
               <a:rPr lang="de-DE" sz="1100" dirty="0">
@@ -4083,19 +4073,6 @@
               </a:rPr>
               <a:t>alle wichtigen Hintergrundinformationen, das Ziel des Trainings </a:t>
             </a:r>
-            <a:r>
-              <a:rPr lang="de-DE" sz="1100" dirty="0" smtClean="0">
-                <a:latin typeface="Avenir Light"/>
-                <a:cs typeface="Avenir Light"/>
-              </a:rPr>
-              <a:t/>
-            </a:r>
-            <a:br>
-              <a:rPr lang="de-DE" sz="1100" dirty="0" smtClean="0">
-                <a:latin typeface="Avenir Light"/>
-                <a:cs typeface="Avenir Light"/>
-              </a:rPr>
-            </a:br>
             <a:r>
               <a:rPr lang="de-DE" sz="1100" dirty="0" smtClean="0">
                 <a:latin typeface="Avenir Light"/>
@@ -4117,7 +4094,7 @@
                 <a:spcPts val="1200"/>
               </a:lnSpc>
               <a:spcBef>
-                <a:spcPts val="400"/>
+                <a:spcPts val="450"/>
               </a:spcBef>
             </a:pPr>
             <a:r>
@@ -4134,7 +4111,7 @@
                 <a:spcPts val="1200"/>
               </a:lnSpc>
               <a:spcBef>
-                <a:spcPts val="400"/>
+                <a:spcPts val="450"/>
               </a:spcBef>
             </a:pPr>
             <a:r>
@@ -4144,19 +4121,6 @@
               </a:rPr>
               <a:t>Dort stehen genaue und nachvollziehbare Handlungsanweisungen. Sie fordern zu Ergebnissen auf, </a:t>
             </a:r>
-            <a:r>
-              <a:rPr lang="de-DE" sz="1100" dirty="0" smtClean="0">
-                <a:latin typeface="Avenir Light"/>
-                <a:cs typeface="Avenir Light"/>
-              </a:rPr>
-              <a:t/>
-            </a:r>
-            <a:br>
-              <a:rPr lang="de-DE" sz="1100" dirty="0" smtClean="0">
-                <a:latin typeface="Avenir Light"/>
-                <a:cs typeface="Avenir Light"/>
-              </a:rPr>
-            </a:br>
             <a:r>
               <a:rPr lang="de-DE" sz="1100" dirty="0" smtClean="0">
                 <a:latin typeface="Avenir Light"/>
@@ -4206,7 +4170,7 @@
                 <a:spcPts val="1200"/>
               </a:lnSpc>
               <a:spcBef>
-                <a:spcPts val="400"/>
+                <a:spcPts val="450"/>
               </a:spcBef>
             </a:pPr>
             <a:r>
@@ -4270,20 +4234,14 @@
                 <a:latin typeface="Avenir Light"/>
                 <a:cs typeface="Avenir Light"/>
               </a:rPr>
-              <a:t/>
-            </a:r>
-            <a:br>
+              <a:t>erlaubt</a:t>
+            </a:r>
+            <a:r>
               <a:rPr lang="de-DE" sz="1100" dirty="0" smtClean="0">
                 <a:latin typeface="Avenir Light"/>
                 <a:cs typeface="Avenir Light"/>
               </a:rPr>
-            </a:br>
-            <a:r>
-              <a:rPr lang="de-DE" sz="1100" dirty="0" smtClean="0">
-                <a:latin typeface="Avenir Light"/>
-                <a:cs typeface="Avenir Light"/>
-              </a:rPr>
-              <a:t>erlaubt, </a:t>
+              <a:t>, </a:t>
             </a:r>
             <a:r>
               <a:rPr lang="de-DE" sz="1100" dirty="0">
@@ -4310,7 +4268,7 @@
                 <a:spcPts val="1200"/>
               </a:lnSpc>
               <a:spcBef>
-                <a:spcPts val="400"/>
+                <a:spcPts val="450"/>
               </a:spcBef>
             </a:pPr>
             <a:r>
@@ -4421,7 +4379,7 @@
                 <a:spcPts val="1200"/>
               </a:lnSpc>
               <a:spcBef>
-                <a:spcPts val="400"/>
+                <a:spcPts val="450"/>
               </a:spcBef>
             </a:pPr>
             <a:r>
@@ -4443,7 +4401,21 @@
                 <a:latin typeface="Avenir Light"/>
                 <a:cs typeface="Avenir Light"/>
               </a:rPr>
-              <a:t> Level ist ein Trainingszeitraum von zwei Wochen eine bewährte Trainingsspanne.</a:t>
+              <a:t> Level ist ein Trainingszeitraum </a:t>
+            </a:r>
+            <a:r>
+              <a:rPr lang="de-DE" sz="1100" dirty="0" smtClean="0">
+                <a:latin typeface="Avenir Light"/>
+                <a:cs typeface="Avenir Light"/>
+              </a:rPr>
+              <a:t>von 2 Wochen </a:t>
+            </a:r>
+            <a:r>
+              <a:rPr lang="de-DE" sz="1100" dirty="0">
+                <a:latin typeface="Avenir Light"/>
+                <a:cs typeface="Avenir Light"/>
+              </a:rPr>
+              <a:t>eine bewährte Trainingsspanne.</a:t>
             </a:r>
           </a:p>
           <a:p>
@@ -4493,7 +4465,7 @@
         </p:nvSpPr>
         <p:spPr>
           <a:xfrm>
-            <a:off x="858837" y="1555749"/>
+            <a:off x="858837" y="1721397"/>
             <a:ext cx="6011548" cy="3133838"/>
           </a:xfrm>
           <a:prstGeom prst="rect">
